--- a/롤체지지크롤링.pptx
+++ b/롤체지지크롤링.pptx
@@ -104,6 +104,11 @@
       </a:defRPr>
     </a:lvl9pPr>
   </p:defaultTextStyle>
+  <p:extLst>
+    <p:ext uri="{EFAFB233-063F-42B5-8137-9DF3F51BA10A}">
+      <p15:sldGuideLst xmlns:p15="http://schemas.microsoft.com/office/powerpoint/2012/main"/>
+    </p:ext>
+  </p:extLst>
 </p:presentation>
 </file>
 
@@ -238,7 +243,7 @@
           <a:p>
             <a:fld id="{81767CF6-CEC8-4FD1-BE8F-EAA6DDD8DC84}" type="datetimeFigureOut">
               <a:rPr lang="ko-KR" altLang="en-US" smtClean="0"/>
-              <a:t>2021-07-01</a:t>
+              <a:t>2021-07-02</a:t>
             </a:fld>
             <a:endParaRPr lang="ko-KR" altLang="en-US"/>
           </a:p>
@@ -408,7 +413,7 @@
           <a:p>
             <a:fld id="{81767CF6-CEC8-4FD1-BE8F-EAA6DDD8DC84}" type="datetimeFigureOut">
               <a:rPr lang="ko-KR" altLang="en-US" smtClean="0"/>
-              <a:t>2021-07-01</a:t>
+              <a:t>2021-07-02</a:t>
             </a:fld>
             <a:endParaRPr lang="ko-KR" altLang="en-US"/>
           </a:p>
@@ -588,7 +593,7 @@
           <a:p>
             <a:fld id="{81767CF6-CEC8-4FD1-BE8F-EAA6DDD8DC84}" type="datetimeFigureOut">
               <a:rPr lang="ko-KR" altLang="en-US" smtClean="0"/>
-              <a:t>2021-07-01</a:t>
+              <a:t>2021-07-02</a:t>
             </a:fld>
             <a:endParaRPr lang="ko-KR" altLang="en-US"/>
           </a:p>
@@ -758,7 +763,7 @@
           <a:p>
             <a:fld id="{81767CF6-CEC8-4FD1-BE8F-EAA6DDD8DC84}" type="datetimeFigureOut">
               <a:rPr lang="ko-KR" altLang="en-US" smtClean="0"/>
-              <a:t>2021-07-01</a:t>
+              <a:t>2021-07-02</a:t>
             </a:fld>
             <a:endParaRPr lang="ko-KR" altLang="en-US"/>
           </a:p>
@@ -1004,7 +1009,7 @@
           <a:p>
             <a:fld id="{81767CF6-CEC8-4FD1-BE8F-EAA6DDD8DC84}" type="datetimeFigureOut">
               <a:rPr lang="ko-KR" altLang="en-US" smtClean="0"/>
-              <a:t>2021-07-01</a:t>
+              <a:t>2021-07-02</a:t>
             </a:fld>
             <a:endParaRPr lang="ko-KR" altLang="en-US"/>
           </a:p>
@@ -1236,7 +1241,7 @@
           <a:p>
             <a:fld id="{81767CF6-CEC8-4FD1-BE8F-EAA6DDD8DC84}" type="datetimeFigureOut">
               <a:rPr lang="ko-KR" altLang="en-US" smtClean="0"/>
-              <a:t>2021-07-01</a:t>
+              <a:t>2021-07-02</a:t>
             </a:fld>
             <a:endParaRPr lang="ko-KR" altLang="en-US"/>
           </a:p>
@@ -1603,7 +1608,7 @@
           <a:p>
             <a:fld id="{81767CF6-CEC8-4FD1-BE8F-EAA6DDD8DC84}" type="datetimeFigureOut">
               <a:rPr lang="ko-KR" altLang="en-US" smtClean="0"/>
-              <a:t>2021-07-01</a:t>
+              <a:t>2021-07-02</a:t>
             </a:fld>
             <a:endParaRPr lang="ko-KR" altLang="en-US"/>
           </a:p>
@@ -1721,7 +1726,7 @@
           <a:p>
             <a:fld id="{81767CF6-CEC8-4FD1-BE8F-EAA6DDD8DC84}" type="datetimeFigureOut">
               <a:rPr lang="ko-KR" altLang="en-US" smtClean="0"/>
-              <a:t>2021-07-01</a:t>
+              <a:t>2021-07-02</a:t>
             </a:fld>
             <a:endParaRPr lang="ko-KR" altLang="en-US"/>
           </a:p>
@@ -1816,7 +1821,7 @@
           <a:p>
             <a:fld id="{81767CF6-CEC8-4FD1-BE8F-EAA6DDD8DC84}" type="datetimeFigureOut">
               <a:rPr lang="ko-KR" altLang="en-US" smtClean="0"/>
-              <a:t>2021-07-01</a:t>
+              <a:t>2021-07-02</a:t>
             </a:fld>
             <a:endParaRPr lang="ko-KR" altLang="en-US"/>
           </a:p>
@@ -2093,7 +2098,7 @@
           <a:p>
             <a:fld id="{81767CF6-CEC8-4FD1-BE8F-EAA6DDD8DC84}" type="datetimeFigureOut">
               <a:rPr lang="ko-KR" altLang="en-US" smtClean="0"/>
-              <a:t>2021-07-01</a:t>
+              <a:t>2021-07-02</a:t>
             </a:fld>
             <a:endParaRPr lang="ko-KR" altLang="en-US"/>
           </a:p>
@@ -2346,7 +2351,7 @@
           <a:p>
             <a:fld id="{81767CF6-CEC8-4FD1-BE8F-EAA6DDD8DC84}" type="datetimeFigureOut">
               <a:rPr lang="ko-KR" altLang="en-US" smtClean="0"/>
-              <a:t>2021-07-01</a:t>
+              <a:t>2021-07-02</a:t>
             </a:fld>
             <a:endParaRPr lang="ko-KR" altLang="en-US"/>
           </a:p>
@@ -2559,7 +2564,7 @@
           <a:p>
             <a:fld id="{81767CF6-CEC8-4FD1-BE8F-EAA6DDD8DC84}" type="datetimeFigureOut">
               <a:rPr lang="ko-KR" altLang="en-US" smtClean="0"/>
-              <a:t>2021-07-01</a:t>
+              <a:t>2021-07-02</a:t>
             </a:fld>
             <a:endParaRPr lang="ko-KR" altLang="en-US"/>
           </a:p>
@@ -2973,7 +2978,7 @@
         <p:spPr>
           <a:xfrm>
             <a:off x="826718" y="676405"/>
-            <a:ext cx="10086416" cy="923330"/>
+            <a:ext cx="10399001" cy="646331"/>
           </a:xfrm>
           <a:prstGeom prst="rect">
             <a:avLst/>
@@ -3011,21 +3016,18 @@
             </a:r>
             <a:r>
               <a:rPr lang="ko-KR" altLang="en-US" dirty="0" smtClean="0"/>
-              <a:t> 챔피언 검색해서</a:t>
-            </a:r>
-            <a:endParaRPr lang="en-US" altLang="ko-KR" dirty="0" smtClean="0"/>
-          </a:p>
-          <a:p>
+              <a:t> </a:t>
+            </a:r>
             <a:r>
               <a:rPr lang="ko-KR" altLang="en-US" dirty="0" smtClean="0"/>
-              <a:t>아이템 </a:t>
+              <a:t>쉽게 </a:t>
             </a:r>
             <a:r>
               <a:rPr lang="ko-KR" altLang="en-US" dirty="0" err="1" smtClean="0"/>
-              <a:t>찾을수</a:t>
-            </a:r>
-            <a:r>
-              <a:rPr lang="ko-KR" altLang="en-US" smtClean="0"/>
+              <a:t>찾아볼수</a:t>
+            </a:r>
+            <a:r>
+              <a:rPr lang="ko-KR" altLang="en-US" dirty="0" smtClean="0"/>
               <a:t> 있음</a:t>
             </a:r>
             <a:endParaRPr lang="ko-KR" altLang="en-US" dirty="0"/>
